--- a/public/reactRouting/routing.pptx
+++ b/public/reactRouting/routing.pptx
@@ -7,10 +7,11 @@
   <p:sldIdLst>
     <p:sldId id="256" r:id="rId2"/>
     <p:sldId id="260" r:id="rId3"/>
-    <p:sldId id="257" r:id="rId4"/>
-    <p:sldId id="261" r:id="rId5"/>
-    <p:sldId id="258" r:id="rId6"/>
-    <p:sldId id="259" r:id="rId7"/>
+    <p:sldId id="262" r:id="rId4"/>
+    <p:sldId id="257" r:id="rId5"/>
+    <p:sldId id="261" r:id="rId6"/>
+    <p:sldId id="258" r:id="rId7"/>
+    <p:sldId id="259" r:id="rId8"/>
   </p:sldIdLst>
   <p:sldSz cx="9144000" cy="6858000" type="screen4x3"/>
   <p:notesSz cx="6858000" cy="9144000"/>
@@ -3502,6 +3503,60 @@
           <a:chExt cx="0" cy="0"/>
         </a:xfrm>
       </p:grpSpPr>
+      <p:sp>
+        <p:nvSpPr>
+          <p:cNvPr id="26" name="Afrundet rektangel 25"/>
+          <p:cNvSpPr/>
+          <p:nvPr/>
+        </p:nvSpPr>
+        <p:spPr>
+          <a:xfrm>
+            <a:off x="3919600" y="2413337"/>
+            <a:ext cx="1801934" cy="1015663"/>
+          </a:xfrm>
+          <a:prstGeom prst="roundRect">
+            <a:avLst>
+              <a:gd name="adj" fmla="val 3929"/>
+            </a:avLst>
+          </a:prstGeom>
+          <a:solidFill>
+            <a:schemeClr val="accent6">
+              <a:lumMod val="20000"/>
+              <a:lumOff val="80000"/>
+            </a:schemeClr>
+          </a:solidFill>
+          <a:ln w="6350">
+            <a:solidFill>
+              <a:srgbClr val="C00000"/>
+            </a:solidFill>
+            <a:prstDash val="dash"/>
+          </a:ln>
+        </p:spPr>
+        <p:style>
+          <a:lnRef idx="2">
+            <a:schemeClr val="accent1">
+              <a:shade val="50000"/>
+            </a:schemeClr>
+          </a:lnRef>
+          <a:fillRef idx="1">
+            <a:schemeClr val="accent1"/>
+          </a:fillRef>
+          <a:effectRef idx="0">
+            <a:schemeClr val="accent1"/>
+          </a:effectRef>
+          <a:fontRef idx="minor">
+            <a:schemeClr val="lt1"/>
+          </a:fontRef>
+        </p:style>
+        <p:txBody>
+          <a:bodyPr rtlCol="0" anchor="ctr"/>
+          <a:lstStyle/>
+          <a:p>
+            <a:pPr algn="ctr"/>
+            <a:endParaRPr lang="da-DK"/>
+          </a:p>
+        </p:txBody>
+      </p:sp>
       <p:pic>
         <p:nvPicPr>
           <p:cNvPr id="3078" name="Picture 6"/>
@@ -3579,7 +3634,7 @@
         </p:blipFill>
         <p:spPr bwMode="auto">
           <a:xfrm>
-            <a:off x="5901322" y="1170434"/>
+            <a:off x="5901322" y="411152"/>
             <a:ext cx="2495550" cy="1390650"/>
           </a:xfrm>
           <a:prstGeom prst="rect">
@@ -3618,7 +3673,7 @@
         </p:nvSpPr>
         <p:spPr>
           <a:xfrm>
-            <a:off x="5724127" y="1169132"/>
+            <a:off x="5724127" y="409850"/>
             <a:ext cx="2736305" cy="531676"/>
           </a:xfrm>
           <a:prstGeom prst="roundRect">
@@ -3664,8 +3719,8 @@
         </p:nvSpPr>
         <p:spPr>
           <a:xfrm>
-            <a:off x="5724127" y="1713562"/>
-            <a:ext cx="2736306" cy="1139374"/>
+            <a:off x="5724127" y="954280"/>
+            <a:ext cx="2736306" cy="674520"/>
           </a:xfrm>
           <a:prstGeom prst="roundRect">
             <a:avLst>
@@ -3713,8 +3768,8 @@
         </p:nvCxnSpPr>
         <p:spPr>
           <a:xfrm flipV="1">
-            <a:off x="4499992" y="1484784"/>
-            <a:ext cx="1224134" cy="144016"/>
+            <a:off x="4644008" y="725502"/>
+            <a:ext cx="1080118" cy="144016"/>
           </a:xfrm>
           <a:prstGeom prst="line">
             <a:avLst/>
@@ -3746,8 +3801,8 @@
         </p:nvCxnSpPr>
         <p:spPr>
           <a:xfrm flipV="1">
-            <a:off x="3923928" y="2152457"/>
-            <a:ext cx="1944216" cy="302525"/>
+            <a:off x="3923928" y="1545576"/>
+            <a:ext cx="1944216" cy="346808"/>
           </a:xfrm>
           <a:prstGeom prst="line">
             <a:avLst/>
@@ -3782,8 +3837,8 @@
         </p:nvSpPr>
         <p:spPr>
           <a:xfrm>
-            <a:off x="809328" y="2348880"/>
-            <a:ext cx="3114600" cy="212204"/>
+            <a:off x="809328" y="1795927"/>
+            <a:ext cx="3114600" cy="192913"/>
           </a:xfrm>
           <a:prstGeom prst="rect">
             <a:avLst/>
@@ -3830,8 +3885,8 @@
         </p:nvSpPr>
         <p:spPr>
           <a:xfrm>
-            <a:off x="323528" y="836712"/>
-            <a:ext cx="4572000" cy="2631490"/>
+            <a:off x="323528" y="77430"/>
+            <a:ext cx="4572000" cy="2800767"/>
           </a:xfrm>
           <a:prstGeom prst="rect">
             <a:avLst/>
@@ -4415,6 +4470,25 @@
                 <a:cs typeface="Consolas" panose="020B0609020204030204" pitchFamily="49" charset="0"/>
               </a:rPr>
             </a:br>
+            <a:r>
+              <a:rPr lang="en-GB" altLang="da-DK" sz="1100" dirty="0" smtClean="0">
+                <a:solidFill>
+                  <a:srgbClr val="000000"/>
+                </a:solidFill>
+                <a:latin typeface="Consolas" panose="020B0609020204030204" pitchFamily="49" charset="0"/>
+                <a:cs typeface="Consolas" panose="020B0609020204030204" pitchFamily="49" charset="0"/>
+              </a:rPr>
+              <a:t>      </a:t>
+            </a:r>
+            <a:endParaRPr lang="en-GB" altLang="da-DK" sz="1100" dirty="0" smtClean="0">
+              <a:solidFill>
+                <a:srgbClr val="000000"/>
+              </a:solidFill>
+              <a:latin typeface="Consolas" panose="020B0609020204030204" pitchFamily="49" charset="0"/>
+              <a:cs typeface="Consolas" panose="020B0609020204030204" pitchFamily="49" charset="0"/>
+            </a:endParaRPr>
+          </a:p>
+          <a:p>
             <a:r>
               <a:rPr lang="en-GB" altLang="da-DK" sz="1100" dirty="0" smtClean="0">
                 <a:solidFill>
@@ -6082,6 +6156,304 @@
           </a:p>
         </p:txBody>
       </p:sp>
+      <p:sp>
+        <p:nvSpPr>
+          <p:cNvPr id="3" name="Rektangel 2"/>
+          <p:cNvSpPr/>
+          <p:nvPr/>
+        </p:nvSpPr>
+        <p:spPr>
+          <a:xfrm>
+            <a:off x="3870176" y="2413337"/>
+            <a:ext cx="1997968" cy="1015663"/>
+          </a:xfrm>
+          <a:prstGeom prst="rect">
+            <a:avLst/>
+          </a:prstGeom>
+        </p:spPr>
+        <p:txBody>
+          <a:bodyPr wrap="square">
+            <a:spAutoFit/>
+          </a:bodyPr>
+          <a:lstStyle/>
+          <a:p>
+            <a:r>
+              <a:rPr lang="da-DK" altLang="da-DK" sz="1200" b="1" dirty="0" smtClean="0">
+                <a:solidFill>
+                  <a:srgbClr val="000080"/>
+                </a:solidFill>
+                <a:latin typeface="Consolas" panose="020B0609020204030204" pitchFamily="49" charset="0"/>
+                <a:cs typeface="Consolas" panose="020B0609020204030204" pitchFamily="49" charset="0"/>
+              </a:rPr>
+              <a:t>Const </a:t>
+            </a:r>
+            <a:r>
+              <a:rPr lang="da-DK" altLang="da-DK" sz="1200" i="1" dirty="0" smtClean="0">
+                <a:solidFill>
+                  <a:srgbClr val="000000"/>
+                </a:solidFill>
+                <a:latin typeface="Consolas" panose="020B0609020204030204" pitchFamily="49" charset="0"/>
+                <a:cs typeface="Consolas" panose="020B0609020204030204" pitchFamily="49" charset="0"/>
+              </a:rPr>
+              <a:t>Home </a:t>
+            </a:r>
+            <a:r>
+              <a:rPr lang="da-DK" altLang="da-DK" sz="1200" dirty="0">
+                <a:solidFill>
+                  <a:srgbClr val="000000"/>
+                </a:solidFill>
+                <a:latin typeface="Consolas" panose="020B0609020204030204" pitchFamily="49" charset="0"/>
+                <a:cs typeface="Consolas" panose="020B0609020204030204" pitchFamily="49" charset="0"/>
+              </a:rPr>
+              <a:t>= () =&gt; (</a:t>
+            </a:r>
+            <a:br>
+              <a:rPr lang="da-DK" altLang="da-DK" sz="1200" dirty="0">
+                <a:solidFill>
+                  <a:srgbClr val="000000"/>
+                </a:solidFill>
+                <a:latin typeface="Consolas" panose="020B0609020204030204" pitchFamily="49" charset="0"/>
+                <a:cs typeface="Consolas" panose="020B0609020204030204" pitchFamily="49" charset="0"/>
+              </a:rPr>
+            </a:br>
+            <a:r>
+              <a:rPr lang="da-DK" altLang="da-DK" sz="1200" dirty="0">
+                <a:solidFill>
+                  <a:srgbClr val="000000"/>
+                </a:solidFill>
+                <a:latin typeface="Consolas" panose="020B0609020204030204" pitchFamily="49" charset="0"/>
+                <a:cs typeface="Consolas" panose="020B0609020204030204" pitchFamily="49" charset="0"/>
+              </a:rPr>
+              <a:t>  &lt;</a:t>
+            </a:r>
+            <a:r>
+              <a:rPr lang="da-DK" altLang="da-DK" sz="1200" b="1" dirty="0">
+                <a:solidFill>
+                  <a:srgbClr val="000080"/>
+                </a:solidFill>
+                <a:latin typeface="Consolas" panose="020B0609020204030204" pitchFamily="49" charset="0"/>
+                <a:cs typeface="Consolas" panose="020B0609020204030204" pitchFamily="49" charset="0"/>
+              </a:rPr>
+              <a:t>div</a:t>
+            </a:r>
+            <a:r>
+              <a:rPr lang="da-DK" altLang="da-DK" sz="1200" dirty="0">
+                <a:solidFill>
+                  <a:srgbClr val="000000"/>
+                </a:solidFill>
+                <a:latin typeface="Consolas" panose="020B0609020204030204" pitchFamily="49" charset="0"/>
+                <a:cs typeface="Consolas" panose="020B0609020204030204" pitchFamily="49" charset="0"/>
+              </a:rPr>
+              <a:t>&gt;</a:t>
+            </a:r>
+            <a:br>
+              <a:rPr lang="da-DK" altLang="da-DK" sz="1200" dirty="0">
+                <a:solidFill>
+                  <a:srgbClr val="000000"/>
+                </a:solidFill>
+                <a:latin typeface="Consolas" panose="020B0609020204030204" pitchFamily="49" charset="0"/>
+                <a:cs typeface="Consolas" panose="020B0609020204030204" pitchFamily="49" charset="0"/>
+              </a:rPr>
+            </a:br>
+            <a:r>
+              <a:rPr lang="da-DK" altLang="da-DK" sz="1200" dirty="0">
+                <a:solidFill>
+                  <a:srgbClr val="000000"/>
+                </a:solidFill>
+                <a:latin typeface="Consolas" panose="020B0609020204030204" pitchFamily="49" charset="0"/>
+                <a:cs typeface="Consolas" panose="020B0609020204030204" pitchFamily="49" charset="0"/>
+              </a:rPr>
+              <a:t>    &lt;</a:t>
+            </a:r>
+            <a:r>
+              <a:rPr lang="da-DK" altLang="da-DK" sz="1200" b="1" dirty="0">
+                <a:solidFill>
+                  <a:srgbClr val="000080"/>
+                </a:solidFill>
+                <a:latin typeface="Consolas" panose="020B0609020204030204" pitchFamily="49" charset="0"/>
+                <a:cs typeface="Consolas" panose="020B0609020204030204" pitchFamily="49" charset="0"/>
+              </a:rPr>
+              <a:t>h2</a:t>
+            </a:r>
+            <a:r>
+              <a:rPr lang="da-DK" altLang="da-DK" sz="1200" dirty="0">
+                <a:solidFill>
+                  <a:srgbClr val="000000"/>
+                </a:solidFill>
+                <a:latin typeface="Consolas" panose="020B0609020204030204" pitchFamily="49" charset="0"/>
+                <a:cs typeface="Consolas" panose="020B0609020204030204" pitchFamily="49" charset="0"/>
+              </a:rPr>
+              <a:t>&gt;Home&lt;/</a:t>
+            </a:r>
+            <a:r>
+              <a:rPr lang="da-DK" altLang="da-DK" sz="1200" b="1" dirty="0">
+                <a:solidFill>
+                  <a:srgbClr val="000080"/>
+                </a:solidFill>
+                <a:latin typeface="Consolas" panose="020B0609020204030204" pitchFamily="49" charset="0"/>
+                <a:cs typeface="Consolas" panose="020B0609020204030204" pitchFamily="49" charset="0"/>
+              </a:rPr>
+              <a:t>h2</a:t>
+            </a:r>
+            <a:r>
+              <a:rPr lang="da-DK" altLang="da-DK" sz="1200" dirty="0">
+                <a:solidFill>
+                  <a:srgbClr val="000000"/>
+                </a:solidFill>
+                <a:latin typeface="Consolas" panose="020B0609020204030204" pitchFamily="49" charset="0"/>
+                <a:cs typeface="Consolas" panose="020B0609020204030204" pitchFamily="49" charset="0"/>
+              </a:rPr>
+              <a:t>&gt;</a:t>
+            </a:r>
+            <a:br>
+              <a:rPr lang="da-DK" altLang="da-DK" sz="1200" dirty="0">
+                <a:solidFill>
+                  <a:srgbClr val="000000"/>
+                </a:solidFill>
+                <a:latin typeface="Consolas" panose="020B0609020204030204" pitchFamily="49" charset="0"/>
+                <a:cs typeface="Consolas" panose="020B0609020204030204" pitchFamily="49" charset="0"/>
+              </a:rPr>
+            </a:br>
+            <a:r>
+              <a:rPr lang="da-DK" altLang="da-DK" sz="1200" dirty="0">
+                <a:solidFill>
+                  <a:srgbClr val="000000"/>
+                </a:solidFill>
+                <a:latin typeface="Consolas" panose="020B0609020204030204" pitchFamily="49" charset="0"/>
+                <a:cs typeface="Consolas" panose="020B0609020204030204" pitchFamily="49" charset="0"/>
+              </a:rPr>
+              <a:t>  &lt;/</a:t>
+            </a:r>
+            <a:r>
+              <a:rPr lang="da-DK" altLang="da-DK" sz="1200" b="1" dirty="0">
+                <a:solidFill>
+                  <a:srgbClr val="000080"/>
+                </a:solidFill>
+                <a:latin typeface="Consolas" panose="020B0609020204030204" pitchFamily="49" charset="0"/>
+                <a:cs typeface="Consolas" panose="020B0609020204030204" pitchFamily="49" charset="0"/>
+              </a:rPr>
+              <a:t>div</a:t>
+            </a:r>
+            <a:r>
+              <a:rPr lang="da-DK" altLang="da-DK" sz="1200" dirty="0">
+                <a:solidFill>
+                  <a:srgbClr val="000000"/>
+                </a:solidFill>
+                <a:latin typeface="Consolas" panose="020B0609020204030204" pitchFamily="49" charset="0"/>
+                <a:cs typeface="Consolas" panose="020B0609020204030204" pitchFamily="49" charset="0"/>
+              </a:rPr>
+              <a:t>&gt;</a:t>
+            </a:r>
+            <a:br>
+              <a:rPr lang="da-DK" altLang="da-DK" sz="1200" dirty="0">
+                <a:solidFill>
+                  <a:srgbClr val="000000"/>
+                </a:solidFill>
+                <a:latin typeface="Consolas" panose="020B0609020204030204" pitchFamily="49" charset="0"/>
+                <a:cs typeface="Consolas" panose="020B0609020204030204" pitchFamily="49" charset="0"/>
+              </a:rPr>
+            </a:br>
+            <a:r>
+              <a:rPr lang="da-DK" altLang="da-DK" sz="1200" dirty="0" smtClean="0">
+                <a:solidFill>
+                  <a:srgbClr val="000000"/>
+                </a:solidFill>
+                <a:latin typeface="Consolas" panose="020B0609020204030204" pitchFamily="49" charset="0"/>
+                <a:cs typeface="Consolas" panose="020B0609020204030204" pitchFamily="49" charset="0"/>
+              </a:rPr>
+              <a:t>)</a:t>
+            </a:r>
+            <a:endParaRPr lang="da-DK" sz="1200" dirty="0">
+              <a:latin typeface="Consolas" panose="020B0609020204030204" pitchFamily="49" charset="0"/>
+              <a:cs typeface="Consolas" panose="020B0609020204030204" pitchFamily="49" charset="0"/>
+            </a:endParaRPr>
+          </a:p>
+        </p:txBody>
+      </p:sp>
+      <p:sp>
+        <p:nvSpPr>
+          <p:cNvPr id="17" name="Afrundet rektangel 16"/>
+          <p:cNvSpPr/>
+          <p:nvPr/>
+        </p:nvSpPr>
+        <p:spPr>
+          <a:xfrm>
+            <a:off x="809328" y="620687"/>
+            <a:ext cx="3834680" cy="903279"/>
+          </a:xfrm>
+          <a:prstGeom prst="roundRect">
+            <a:avLst>
+              <a:gd name="adj" fmla="val 11055"/>
+            </a:avLst>
+          </a:prstGeom>
+          <a:noFill/>
+          <a:ln w="6350">
+            <a:prstDash val="dash"/>
+          </a:ln>
+        </p:spPr>
+        <p:style>
+          <a:lnRef idx="2">
+            <a:schemeClr val="accent1">
+              <a:shade val="50000"/>
+            </a:schemeClr>
+          </a:lnRef>
+          <a:fillRef idx="1">
+            <a:schemeClr val="accent1"/>
+          </a:fillRef>
+          <a:effectRef idx="0">
+            <a:schemeClr val="accent1"/>
+          </a:effectRef>
+          <a:fontRef idx="minor">
+            <a:schemeClr val="lt1"/>
+          </a:fontRef>
+        </p:style>
+        <p:txBody>
+          <a:bodyPr rtlCol="0" anchor="ctr"/>
+          <a:lstStyle/>
+          <a:p>
+            <a:pPr algn="ctr"/>
+            <a:endParaRPr lang="da-DK"/>
+          </a:p>
+        </p:txBody>
+      </p:sp>
+      <p:cxnSp>
+        <p:nvCxnSpPr>
+          <p:cNvPr id="27" name="Lige forbindelse 26"/>
+          <p:cNvCxnSpPr>
+            <a:stCxn id="3" idx="0"/>
+          </p:cNvCxnSpPr>
+          <p:nvPr/>
+        </p:nvCxnSpPr>
+        <p:spPr>
+          <a:xfrm flipV="1">
+            <a:off x="4869160" y="1545576"/>
+            <a:ext cx="998984" cy="867761"/>
+          </a:xfrm>
+          <a:prstGeom prst="line">
+            <a:avLst/>
+          </a:prstGeom>
+          <a:ln>
+            <a:solidFill>
+              <a:srgbClr val="C00000"/>
+            </a:solidFill>
+            <a:prstDash val="dash"/>
+          </a:ln>
+        </p:spPr>
+        <p:style>
+          <a:lnRef idx="1">
+            <a:schemeClr val="accent1"/>
+          </a:lnRef>
+          <a:fillRef idx="0">
+            <a:schemeClr val="accent1"/>
+          </a:fillRef>
+          <a:effectRef idx="0">
+            <a:schemeClr val="accent1"/>
+          </a:effectRef>
+          <a:fontRef idx="minor">
+            <a:schemeClr val="tx1"/>
+          </a:fontRef>
+        </p:style>
+      </p:cxnSp>
     </p:spTree>
     <p:extLst>
       <p:ext uri="{BB962C8B-B14F-4D97-AF65-F5344CB8AC3E}">
@@ -6096,6 +6468,1532 @@
 </file>
 
 <file path=ppt/slides/slide3.xml><?xml version="1.0" encoding="utf-8"?>
+<p:sld xmlns:a="http://schemas.openxmlformats.org/drawingml/2006/main" xmlns:r="http://schemas.openxmlformats.org/officeDocument/2006/relationships" xmlns:p="http://schemas.openxmlformats.org/presentationml/2006/main">
+  <p:cSld>
+    <p:spTree>
+      <p:nvGrpSpPr>
+        <p:cNvPr id="1" name=""/>
+        <p:cNvGrpSpPr/>
+        <p:nvPr/>
+      </p:nvGrpSpPr>
+      <p:grpSpPr>
+        <a:xfrm>
+          <a:off x="0" y="0"/>
+          <a:ext cx="0" cy="0"/>
+          <a:chOff x="0" y="0"/>
+          <a:chExt cx="0" cy="0"/>
+        </a:xfrm>
+      </p:grpSpPr>
+      <p:pic>
+        <p:nvPicPr>
+          <p:cNvPr id="3078" name="Picture 6"/>
+          <p:cNvPicPr>
+            <a:picLocks noChangeAspect="1" noChangeArrowheads="1"/>
+          </p:cNvPicPr>
+          <p:nvPr/>
+        </p:nvPicPr>
+        <p:blipFill>
+          <a:blip r:embed="rId2">
+            <a:extLst>
+              <a:ext uri="{28A0092B-C50C-407E-A947-70E740481C1C}">
+                <a14:useLocalDpi xmlns:a14="http://schemas.microsoft.com/office/drawing/2010/main" val="0"/>
+              </a:ext>
+            </a:extLst>
+          </a:blip>
+          <a:srcRect/>
+          <a:stretch>
+            <a:fillRect/>
+          </a:stretch>
+        </p:blipFill>
+        <p:spPr bwMode="auto">
+          <a:xfrm>
+            <a:off x="5817585" y="794722"/>
+            <a:ext cx="2305050" cy="2238375"/>
+          </a:xfrm>
+          <a:prstGeom prst="rect">
+            <a:avLst/>
+          </a:prstGeom>
+          <a:noFill/>
+          <a:ln>
+            <a:noFill/>
+          </a:ln>
+          <a:extLst>
+            <a:ext uri="{909E8E84-426E-40DD-AFC4-6F175D3DCCD1}">
+              <a14:hiddenFill xmlns:a14="http://schemas.microsoft.com/office/drawing/2010/main">
+                <a:solidFill>
+                  <a:schemeClr val="accent1"/>
+                </a:solidFill>
+              </a14:hiddenFill>
+            </a:ext>
+            <a:ext uri="{91240B29-F687-4F45-9708-019B960494DF}">
+              <a14:hiddenLine xmlns:a14="http://schemas.microsoft.com/office/drawing/2010/main" w="9525">
+                <a:solidFill>
+                  <a:schemeClr val="tx1"/>
+                </a:solidFill>
+                <a:miter lim="800000"/>
+                <a:headEnd/>
+                <a:tailEnd/>
+              </a14:hiddenLine>
+            </a:ext>
+          </a:extLst>
+        </p:spPr>
+      </p:pic>
+      <p:sp>
+        <p:nvSpPr>
+          <p:cNvPr id="19" name="Afrundet rektangel 18"/>
+          <p:cNvSpPr/>
+          <p:nvPr/>
+        </p:nvSpPr>
+        <p:spPr>
+          <a:xfrm>
+            <a:off x="5835295" y="764704"/>
+            <a:ext cx="2337106" cy="531676"/>
+          </a:xfrm>
+          <a:prstGeom prst="roundRect">
+            <a:avLst>
+              <a:gd name="adj" fmla="val 11055"/>
+            </a:avLst>
+          </a:prstGeom>
+          <a:noFill/>
+          <a:ln w="6350">
+            <a:prstDash val="dash"/>
+          </a:ln>
+        </p:spPr>
+        <p:style>
+          <a:lnRef idx="2">
+            <a:schemeClr val="accent1">
+              <a:shade val="50000"/>
+            </a:schemeClr>
+          </a:lnRef>
+          <a:fillRef idx="1">
+            <a:schemeClr val="accent1"/>
+          </a:fillRef>
+          <a:effectRef idx="0">
+            <a:schemeClr val="accent1"/>
+          </a:effectRef>
+          <a:fontRef idx="minor">
+            <a:schemeClr val="lt1"/>
+          </a:fontRef>
+        </p:style>
+        <p:txBody>
+          <a:bodyPr rtlCol="0" anchor="ctr"/>
+          <a:lstStyle/>
+          <a:p>
+            <a:pPr algn="ctr"/>
+            <a:endParaRPr lang="da-DK"/>
+          </a:p>
+        </p:txBody>
+      </p:sp>
+      <p:sp>
+        <p:nvSpPr>
+          <p:cNvPr id="20" name="Afrundet rektangel 19"/>
+          <p:cNvSpPr/>
+          <p:nvPr/>
+        </p:nvSpPr>
+        <p:spPr>
+          <a:xfrm>
+            <a:off x="5835294" y="1599329"/>
+            <a:ext cx="2409114" cy="1065203"/>
+          </a:xfrm>
+          <a:prstGeom prst="roundRect">
+            <a:avLst>
+              <a:gd name="adj" fmla="val 11055"/>
+            </a:avLst>
+          </a:prstGeom>
+          <a:noFill/>
+          <a:ln w="6350">
+            <a:solidFill>
+              <a:srgbClr val="C00000"/>
+            </a:solidFill>
+            <a:prstDash val="dash"/>
+          </a:ln>
+        </p:spPr>
+        <p:style>
+          <a:lnRef idx="2">
+            <a:schemeClr val="accent1">
+              <a:shade val="50000"/>
+            </a:schemeClr>
+          </a:lnRef>
+          <a:fillRef idx="1">
+            <a:schemeClr val="accent1"/>
+          </a:fillRef>
+          <a:effectRef idx="0">
+            <a:schemeClr val="accent1"/>
+          </a:effectRef>
+          <a:fontRef idx="minor">
+            <a:schemeClr val="lt1"/>
+          </a:fontRef>
+        </p:style>
+        <p:txBody>
+          <a:bodyPr rtlCol="0" anchor="ctr"/>
+          <a:lstStyle/>
+          <a:p>
+            <a:pPr algn="ctr"/>
+            <a:endParaRPr lang="da-DK"/>
+          </a:p>
+        </p:txBody>
+      </p:sp>
+      <p:cxnSp>
+        <p:nvCxnSpPr>
+          <p:cNvPr id="21" name="Lige forbindelse 20"/>
+          <p:cNvCxnSpPr/>
+          <p:nvPr/>
+        </p:nvCxnSpPr>
+        <p:spPr>
+          <a:xfrm flipV="1">
+            <a:off x="4499992" y="1030542"/>
+            <a:ext cx="2808312" cy="985918"/>
+          </a:xfrm>
+          <a:prstGeom prst="line">
+            <a:avLst/>
+          </a:prstGeom>
+          <a:ln>
+            <a:prstDash val="dash"/>
+          </a:ln>
+        </p:spPr>
+        <p:style>
+          <a:lnRef idx="1">
+            <a:schemeClr val="accent1"/>
+          </a:lnRef>
+          <a:fillRef idx="0">
+            <a:schemeClr val="accent1"/>
+          </a:fillRef>
+          <a:effectRef idx="0">
+            <a:schemeClr val="accent1"/>
+          </a:effectRef>
+          <a:fontRef idx="minor">
+            <a:schemeClr val="tx1"/>
+          </a:fontRef>
+        </p:style>
+      </p:cxnSp>
+      <p:cxnSp>
+        <p:nvCxnSpPr>
+          <p:cNvPr id="22" name="Lige forbindelse 21"/>
+          <p:cNvCxnSpPr/>
+          <p:nvPr/>
+        </p:nvCxnSpPr>
+        <p:spPr>
+          <a:xfrm flipV="1">
+            <a:off x="4067944" y="2180078"/>
+            <a:ext cx="1769539" cy="628470"/>
+          </a:xfrm>
+          <a:prstGeom prst="line">
+            <a:avLst/>
+          </a:prstGeom>
+          <a:ln>
+            <a:solidFill>
+              <a:srgbClr val="C00000"/>
+            </a:solidFill>
+            <a:prstDash val="dash"/>
+          </a:ln>
+        </p:spPr>
+        <p:style>
+          <a:lnRef idx="1">
+            <a:schemeClr val="accent1"/>
+          </a:lnRef>
+          <a:fillRef idx="0">
+            <a:schemeClr val="accent1"/>
+          </a:fillRef>
+          <a:effectRef idx="0">
+            <a:schemeClr val="accent1"/>
+          </a:effectRef>
+          <a:fontRef idx="minor">
+            <a:schemeClr val="tx1"/>
+          </a:fontRef>
+        </p:style>
+      </p:cxnSp>
+      <p:sp>
+        <p:nvSpPr>
+          <p:cNvPr id="23" name="Rektangel 22"/>
+          <p:cNvSpPr/>
+          <p:nvPr/>
+        </p:nvSpPr>
+        <p:spPr>
+          <a:xfrm>
+            <a:off x="778667" y="2740360"/>
+            <a:ext cx="3114600" cy="212204"/>
+          </a:xfrm>
+          <a:prstGeom prst="rect">
+            <a:avLst/>
+          </a:prstGeom>
+          <a:solidFill>
+            <a:srgbClr val="FF0000">
+              <a:alpha val="18000"/>
+            </a:srgbClr>
+          </a:solidFill>
+          <a:ln>
+            <a:noFill/>
+          </a:ln>
+        </p:spPr>
+        <p:style>
+          <a:lnRef idx="2">
+            <a:schemeClr val="accent1">
+              <a:shade val="50000"/>
+            </a:schemeClr>
+          </a:lnRef>
+          <a:fillRef idx="1">
+            <a:schemeClr val="accent1"/>
+          </a:fillRef>
+          <a:effectRef idx="0">
+            <a:schemeClr val="accent1"/>
+          </a:effectRef>
+          <a:fontRef idx="minor">
+            <a:schemeClr val="lt1"/>
+          </a:fontRef>
+        </p:style>
+        <p:txBody>
+          <a:bodyPr rtlCol="0" anchor="ctr"/>
+          <a:lstStyle/>
+          <a:p>
+            <a:pPr algn="ctr"/>
+            <a:endParaRPr lang="da-DK"/>
+          </a:p>
+        </p:txBody>
+      </p:sp>
+      <p:sp>
+        <p:nvSpPr>
+          <p:cNvPr id="24" name="Rektangel 23"/>
+          <p:cNvSpPr/>
+          <p:nvPr/>
+        </p:nvSpPr>
+        <p:spPr>
+          <a:xfrm>
+            <a:off x="292867" y="864332"/>
+            <a:ext cx="4572000" cy="2631490"/>
+          </a:xfrm>
+          <a:prstGeom prst="rect">
+            <a:avLst/>
+          </a:prstGeom>
+        </p:spPr>
+        <p:txBody>
+          <a:bodyPr>
+            <a:spAutoFit/>
+          </a:bodyPr>
+          <a:lstStyle/>
+          <a:p>
+            <a:r>
+              <a:rPr lang="en-GB" altLang="da-DK" sz="1100" b="1" dirty="0" smtClean="0">
+                <a:solidFill>
+                  <a:srgbClr val="000080"/>
+                </a:solidFill>
+                <a:latin typeface="Consolas" panose="020B0609020204030204" pitchFamily="49" charset="0"/>
+                <a:cs typeface="Consolas" panose="020B0609020204030204" pitchFamily="49" charset="0"/>
+              </a:rPr>
+              <a:t>const </a:t>
+            </a:r>
+            <a:r>
+              <a:rPr lang="en-GB" altLang="da-DK" sz="1100" i="1" dirty="0" smtClean="0">
+                <a:solidFill>
+                  <a:srgbClr val="000000"/>
+                </a:solidFill>
+                <a:latin typeface="Consolas" panose="020B0609020204030204" pitchFamily="49" charset="0"/>
+                <a:cs typeface="Consolas" panose="020B0609020204030204" pitchFamily="49" charset="0"/>
+              </a:rPr>
+              <a:t>BasicExample </a:t>
+            </a:r>
+            <a:r>
+              <a:rPr lang="en-GB" altLang="da-DK" sz="1100" dirty="0" smtClean="0">
+                <a:solidFill>
+                  <a:srgbClr val="000000"/>
+                </a:solidFill>
+                <a:latin typeface="Consolas" panose="020B0609020204030204" pitchFamily="49" charset="0"/>
+                <a:cs typeface="Consolas" panose="020B0609020204030204" pitchFamily="49" charset="0"/>
+              </a:rPr>
+              <a:t>= () =&gt;(</a:t>
+            </a:r>
+            <a:br>
+              <a:rPr lang="en-GB" altLang="da-DK" sz="1100" dirty="0" smtClean="0">
+                <a:solidFill>
+                  <a:srgbClr val="000000"/>
+                </a:solidFill>
+                <a:latin typeface="Consolas" panose="020B0609020204030204" pitchFamily="49" charset="0"/>
+                <a:cs typeface="Consolas" panose="020B0609020204030204" pitchFamily="49" charset="0"/>
+              </a:rPr>
+            </a:br>
+            <a:r>
+              <a:rPr lang="en-GB" altLang="da-DK" sz="1100" dirty="0" smtClean="0">
+                <a:solidFill>
+                  <a:srgbClr val="000000"/>
+                </a:solidFill>
+                <a:latin typeface="Consolas" panose="020B0609020204030204" pitchFamily="49" charset="0"/>
+                <a:cs typeface="Consolas" panose="020B0609020204030204" pitchFamily="49" charset="0"/>
+              </a:rPr>
+              <a:t>  &lt;</a:t>
+            </a:r>
+            <a:r>
+              <a:rPr lang="en-GB" altLang="da-DK" sz="1100" b="1" dirty="0" smtClean="0">
+                <a:solidFill>
+                  <a:srgbClr val="000080"/>
+                </a:solidFill>
+                <a:latin typeface="Consolas" panose="020B0609020204030204" pitchFamily="49" charset="0"/>
+                <a:cs typeface="Consolas" panose="020B0609020204030204" pitchFamily="49" charset="0"/>
+              </a:rPr>
+              <a:t>HashRouter</a:t>
+            </a:r>
+            <a:r>
+              <a:rPr lang="en-GB" altLang="da-DK" sz="1100" dirty="0" smtClean="0">
+                <a:solidFill>
+                  <a:srgbClr val="000000"/>
+                </a:solidFill>
+                <a:latin typeface="Consolas" panose="020B0609020204030204" pitchFamily="49" charset="0"/>
+                <a:cs typeface="Consolas" panose="020B0609020204030204" pitchFamily="49" charset="0"/>
+              </a:rPr>
+              <a:t>&gt;</a:t>
+            </a:r>
+            <a:br>
+              <a:rPr lang="en-GB" altLang="da-DK" sz="1100" dirty="0" smtClean="0">
+                <a:solidFill>
+                  <a:srgbClr val="000000"/>
+                </a:solidFill>
+                <a:latin typeface="Consolas" panose="020B0609020204030204" pitchFamily="49" charset="0"/>
+                <a:cs typeface="Consolas" panose="020B0609020204030204" pitchFamily="49" charset="0"/>
+              </a:rPr>
+            </a:br>
+            <a:r>
+              <a:rPr lang="en-GB" altLang="da-DK" sz="1100" dirty="0" smtClean="0">
+                <a:solidFill>
+                  <a:srgbClr val="000000"/>
+                </a:solidFill>
+                <a:latin typeface="Consolas" panose="020B0609020204030204" pitchFamily="49" charset="0"/>
+                <a:cs typeface="Consolas" panose="020B0609020204030204" pitchFamily="49" charset="0"/>
+              </a:rPr>
+              <a:t>    &lt;</a:t>
+            </a:r>
+            <a:r>
+              <a:rPr lang="en-GB" altLang="da-DK" sz="1100" b="1" dirty="0" smtClean="0">
+                <a:solidFill>
+                  <a:srgbClr val="000080"/>
+                </a:solidFill>
+                <a:latin typeface="Consolas" panose="020B0609020204030204" pitchFamily="49" charset="0"/>
+                <a:cs typeface="Consolas" panose="020B0609020204030204" pitchFamily="49" charset="0"/>
+              </a:rPr>
+              <a:t>div</a:t>
+            </a:r>
+            <a:r>
+              <a:rPr lang="en-GB" altLang="da-DK" sz="1100" dirty="0" smtClean="0">
+                <a:solidFill>
+                  <a:srgbClr val="000000"/>
+                </a:solidFill>
+                <a:latin typeface="Consolas" panose="020B0609020204030204" pitchFamily="49" charset="0"/>
+                <a:cs typeface="Consolas" panose="020B0609020204030204" pitchFamily="49" charset="0"/>
+              </a:rPr>
+              <a:t>&gt;</a:t>
+            </a:r>
+            <a:br>
+              <a:rPr lang="en-GB" altLang="da-DK" sz="1100" dirty="0" smtClean="0">
+                <a:solidFill>
+                  <a:srgbClr val="000000"/>
+                </a:solidFill>
+                <a:latin typeface="Consolas" panose="020B0609020204030204" pitchFamily="49" charset="0"/>
+                <a:cs typeface="Consolas" panose="020B0609020204030204" pitchFamily="49" charset="0"/>
+              </a:rPr>
+            </a:br>
+            <a:r>
+              <a:rPr lang="en-GB" altLang="da-DK" sz="1100" dirty="0" smtClean="0">
+                <a:solidFill>
+                  <a:srgbClr val="000000"/>
+                </a:solidFill>
+                <a:latin typeface="Consolas" panose="020B0609020204030204" pitchFamily="49" charset="0"/>
+                <a:cs typeface="Consolas" panose="020B0609020204030204" pitchFamily="49" charset="0"/>
+              </a:rPr>
+              <a:t>      &lt;</a:t>
+            </a:r>
+            <a:r>
+              <a:rPr lang="en-GB" altLang="da-DK" sz="1100" b="1" dirty="0" smtClean="0">
+                <a:solidFill>
+                  <a:srgbClr val="000080"/>
+                </a:solidFill>
+                <a:latin typeface="Consolas" panose="020B0609020204030204" pitchFamily="49" charset="0"/>
+                <a:cs typeface="Consolas" panose="020B0609020204030204" pitchFamily="49" charset="0"/>
+              </a:rPr>
+              <a:t>ul </a:t>
+            </a:r>
+            <a:r>
+              <a:rPr lang="en-GB" altLang="da-DK" sz="1100" b="1" dirty="0" smtClean="0">
+                <a:solidFill>
+                  <a:srgbClr val="0055FF"/>
+                </a:solidFill>
+                <a:latin typeface="Consolas" panose="020B0609020204030204" pitchFamily="49" charset="0"/>
+                <a:cs typeface="Consolas" panose="020B0609020204030204" pitchFamily="49" charset="0"/>
+              </a:rPr>
+              <a:t>className</a:t>
+            </a:r>
+            <a:r>
+              <a:rPr lang="en-GB" altLang="da-DK" sz="1100" b="1" dirty="0" smtClean="0">
+                <a:solidFill>
+                  <a:srgbClr val="658ABA"/>
+                </a:solidFill>
+                <a:latin typeface="Consolas" panose="020B0609020204030204" pitchFamily="49" charset="0"/>
+                <a:cs typeface="Consolas" panose="020B0609020204030204" pitchFamily="49" charset="0"/>
+              </a:rPr>
+              <a:t>="header"</a:t>
+            </a:r>
+            <a:r>
+              <a:rPr lang="en-GB" altLang="da-DK" sz="1100" dirty="0" smtClean="0">
+                <a:solidFill>
+                  <a:srgbClr val="000000"/>
+                </a:solidFill>
+                <a:latin typeface="Consolas" panose="020B0609020204030204" pitchFamily="49" charset="0"/>
+                <a:cs typeface="Consolas" panose="020B0609020204030204" pitchFamily="49" charset="0"/>
+              </a:rPr>
+              <a:t>&gt;</a:t>
+            </a:r>
+            <a:br>
+              <a:rPr lang="en-GB" altLang="da-DK" sz="1100" dirty="0" smtClean="0">
+                <a:solidFill>
+                  <a:srgbClr val="000000"/>
+                </a:solidFill>
+                <a:latin typeface="Consolas" panose="020B0609020204030204" pitchFamily="49" charset="0"/>
+                <a:cs typeface="Consolas" panose="020B0609020204030204" pitchFamily="49" charset="0"/>
+              </a:rPr>
+            </a:br>
+            <a:r>
+              <a:rPr lang="en-GB" altLang="da-DK" sz="1100" dirty="0" smtClean="0">
+                <a:solidFill>
+                  <a:srgbClr val="000000"/>
+                </a:solidFill>
+                <a:latin typeface="Consolas" panose="020B0609020204030204" pitchFamily="49" charset="0"/>
+                <a:cs typeface="Consolas" panose="020B0609020204030204" pitchFamily="49" charset="0"/>
+              </a:rPr>
+              <a:t>        &lt;</a:t>
+            </a:r>
+            <a:r>
+              <a:rPr lang="en-GB" altLang="da-DK" sz="1100" b="1" dirty="0" smtClean="0">
+                <a:solidFill>
+                  <a:srgbClr val="000080"/>
+                </a:solidFill>
+                <a:latin typeface="Consolas" panose="020B0609020204030204" pitchFamily="49" charset="0"/>
+                <a:cs typeface="Consolas" panose="020B0609020204030204" pitchFamily="49" charset="0"/>
+              </a:rPr>
+              <a:t>li</a:t>
+            </a:r>
+            <a:r>
+              <a:rPr lang="en-GB" altLang="da-DK" sz="1100" dirty="0" smtClean="0">
+                <a:solidFill>
+                  <a:srgbClr val="000000"/>
+                </a:solidFill>
+                <a:latin typeface="Consolas" panose="020B0609020204030204" pitchFamily="49" charset="0"/>
+                <a:cs typeface="Consolas" panose="020B0609020204030204" pitchFamily="49" charset="0"/>
+              </a:rPr>
+              <a:t>&gt;&lt;</a:t>
+            </a:r>
+            <a:r>
+              <a:rPr lang="en-GB" altLang="da-DK" sz="1100" b="1" dirty="0" smtClean="0">
+                <a:solidFill>
+                  <a:srgbClr val="000080"/>
+                </a:solidFill>
+                <a:latin typeface="Consolas" panose="020B0609020204030204" pitchFamily="49" charset="0"/>
+                <a:cs typeface="Consolas" panose="020B0609020204030204" pitchFamily="49" charset="0"/>
+              </a:rPr>
+              <a:t>NavLink </a:t>
+            </a:r>
+            <a:r>
+              <a:rPr lang="en-GB" altLang="da-DK" sz="1100" b="1" dirty="0" smtClean="0">
+                <a:solidFill>
+                  <a:srgbClr val="0055FF"/>
+                </a:solidFill>
+                <a:latin typeface="Consolas" panose="020B0609020204030204" pitchFamily="49" charset="0"/>
+                <a:cs typeface="Consolas" panose="020B0609020204030204" pitchFamily="49" charset="0"/>
+              </a:rPr>
+              <a:t>exact to</a:t>
+            </a:r>
+            <a:r>
+              <a:rPr lang="en-GB" altLang="da-DK" sz="1100" b="1" dirty="0" smtClean="0">
+                <a:solidFill>
+                  <a:srgbClr val="658ABA"/>
+                </a:solidFill>
+                <a:latin typeface="Consolas" panose="020B0609020204030204" pitchFamily="49" charset="0"/>
+                <a:cs typeface="Consolas" panose="020B0609020204030204" pitchFamily="49" charset="0"/>
+              </a:rPr>
+              <a:t>="/"</a:t>
+            </a:r>
+            <a:r>
+              <a:rPr lang="en-GB" altLang="da-DK" sz="1100" dirty="0" smtClean="0">
+                <a:solidFill>
+                  <a:srgbClr val="000000"/>
+                </a:solidFill>
+                <a:latin typeface="Consolas" panose="020B0609020204030204" pitchFamily="49" charset="0"/>
+                <a:cs typeface="Consolas" panose="020B0609020204030204" pitchFamily="49" charset="0"/>
+              </a:rPr>
+              <a:t>&gt;Home&lt;/</a:t>
+            </a:r>
+            <a:r>
+              <a:rPr lang="en-GB" altLang="da-DK" sz="1100" b="1" dirty="0" smtClean="0">
+                <a:solidFill>
+                  <a:srgbClr val="000080"/>
+                </a:solidFill>
+                <a:latin typeface="Consolas" panose="020B0609020204030204" pitchFamily="49" charset="0"/>
+                <a:cs typeface="Consolas" panose="020B0609020204030204" pitchFamily="49" charset="0"/>
+              </a:rPr>
+              <a:t>NavLink</a:t>
+            </a:r>
+            <a:r>
+              <a:rPr lang="en-GB" altLang="da-DK" sz="1100" dirty="0" smtClean="0">
+                <a:solidFill>
+                  <a:srgbClr val="000000"/>
+                </a:solidFill>
+                <a:latin typeface="Consolas" panose="020B0609020204030204" pitchFamily="49" charset="0"/>
+                <a:cs typeface="Consolas" panose="020B0609020204030204" pitchFamily="49" charset="0"/>
+              </a:rPr>
+              <a:t>&gt;&lt;/</a:t>
+            </a:r>
+            <a:r>
+              <a:rPr lang="en-GB" altLang="da-DK" sz="1100" b="1" dirty="0" smtClean="0">
+                <a:solidFill>
+                  <a:srgbClr val="000080"/>
+                </a:solidFill>
+                <a:latin typeface="Consolas" panose="020B0609020204030204" pitchFamily="49" charset="0"/>
+                <a:cs typeface="Consolas" panose="020B0609020204030204" pitchFamily="49" charset="0"/>
+              </a:rPr>
+              <a:t>li</a:t>
+            </a:r>
+            <a:r>
+              <a:rPr lang="en-GB" altLang="da-DK" sz="1100" dirty="0" smtClean="0">
+                <a:solidFill>
+                  <a:srgbClr val="000000"/>
+                </a:solidFill>
+                <a:latin typeface="Consolas" panose="020B0609020204030204" pitchFamily="49" charset="0"/>
+                <a:cs typeface="Consolas" panose="020B0609020204030204" pitchFamily="49" charset="0"/>
+              </a:rPr>
+              <a:t>&gt;</a:t>
+            </a:r>
+            <a:br>
+              <a:rPr lang="en-GB" altLang="da-DK" sz="1100" dirty="0" smtClean="0">
+                <a:solidFill>
+                  <a:srgbClr val="000000"/>
+                </a:solidFill>
+                <a:latin typeface="Consolas" panose="020B0609020204030204" pitchFamily="49" charset="0"/>
+                <a:cs typeface="Consolas" panose="020B0609020204030204" pitchFamily="49" charset="0"/>
+              </a:rPr>
+            </a:br>
+            <a:r>
+              <a:rPr lang="en-GB" altLang="da-DK" sz="1100" dirty="0" smtClean="0">
+                <a:solidFill>
+                  <a:srgbClr val="000000"/>
+                </a:solidFill>
+                <a:latin typeface="Consolas" panose="020B0609020204030204" pitchFamily="49" charset="0"/>
+                <a:cs typeface="Consolas" panose="020B0609020204030204" pitchFamily="49" charset="0"/>
+              </a:rPr>
+              <a:t>        &lt;</a:t>
+            </a:r>
+            <a:r>
+              <a:rPr lang="en-GB" altLang="da-DK" sz="1100" b="1" dirty="0" smtClean="0">
+                <a:solidFill>
+                  <a:srgbClr val="000080"/>
+                </a:solidFill>
+                <a:latin typeface="Consolas" panose="020B0609020204030204" pitchFamily="49" charset="0"/>
+                <a:cs typeface="Consolas" panose="020B0609020204030204" pitchFamily="49" charset="0"/>
+              </a:rPr>
+              <a:t>li</a:t>
+            </a:r>
+            <a:r>
+              <a:rPr lang="en-GB" altLang="da-DK" sz="1100" dirty="0" smtClean="0">
+                <a:solidFill>
+                  <a:srgbClr val="000000"/>
+                </a:solidFill>
+                <a:latin typeface="Consolas" panose="020B0609020204030204" pitchFamily="49" charset="0"/>
+                <a:cs typeface="Consolas" panose="020B0609020204030204" pitchFamily="49" charset="0"/>
+              </a:rPr>
+              <a:t>&gt;&lt;</a:t>
+            </a:r>
+            <a:r>
+              <a:rPr lang="en-GB" altLang="da-DK" sz="1100" b="1" dirty="0" smtClean="0">
+                <a:solidFill>
+                  <a:srgbClr val="000080"/>
+                </a:solidFill>
+                <a:latin typeface="Consolas" panose="020B0609020204030204" pitchFamily="49" charset="0"/>
+                <a:cs typeface="Consolas" panose="020B0609020204030204" pitchFamily="49" charset="0"/>
+              </a:rPr>
+              <a:t>NavLink </a:t>
+            </a:r>
+            <a:r>
+              <a:rPr lang="en-GB" altLang="da-DK" sz="1100" b="1" dirty="0" smtClean="0">
+                <a:solidFill>
+                  <a:srgbClr val="0055FF"/>
+                </a:solidFill>
+                <a:latin typeface="Consolas" panose="020B0609020204030204" pitchFamily="49" charset="0"/>
+                <a:cs typeface="Consolas" panose="020B0609020204030204" pitchFamily="49" charset="0"/>
+              </a:rPr>
+              <a:t>to</a:t>
+            </a:r>
+            <a:r>
+              <a:rPr lang="en-GB" altLang="da-DK" sz="1100" b="1" dirty="0" smtClean="0">
+                <a:solidFill>
+                  <a:srgbClr val="658ABA"/>
+                </a:solidFill>
+                <a:latin typeface="Consolas" panose="020B0609020204030204" pitchFamily="49" charset="0"/>
+                <a:cs typeface="Consolas" panose="020B0609020204030204" pitchFamily="49" charset="0"/>
+              </a:rPr>
+              <a:t>="/about"</a:t>
+            </a:r>
+            <a:r>
+              <a:rPr lang="en-GB" altLang="da-DK" sz="1100" dirty="0" smtClean="0">
+                <a:solidFill>
+                  <a:srgbClr val="000000"/>
+                </a:solidFill>
+                <a:latin typeface="Consolas" panose="020B0609020204030204" pitchFamily="49" charset="0"/>
+                <a:cs typeface="Consolas" panose="020B0609020204030204" pitchFamily="49" charset="0"/>
+              </a:rPr>
+              <a:t>&gt;About&lt;/</a:t>
+            </a:r>
+            <a:r>
+              <a:rPr lang="en-GB" altLang="da-DK" sz="1100" b="1" dirty="0" smtClean="0">
+                <a:solidFill>
+                  <a:srgbClr val="000080"/>
+                </a:solidFill>
+                <a:latin typeface="Consolas" panose="020B0609020204030204" pitchFamily="49" charset="0"/>
+                <a:cs typeface="Consolas" panose="020B0609020204030204" pitchFamily="49" charset="0"/>
+              </a:rPr>
+              <a:t>NavLink</a:t>
+            </a:r>
+            <a:r>
+              <a:rPr lang="en-GB" altLang="da-DK" sz="1100" dirty="0" smtClean="0">
+                <a:solidFill>
+                  <a:srgbClr val="000000"/>
+                </a:solidFill>
+                <a:latin typeface="Consolas" panose="020B0609020204030204" pitchFamily="49" charset="0"/>
+                <a:cs typeface="Consolas" panose="020B0609020204030204" pitchFamily="49" charset="0"/>
+              </a:rPr>
+              <a:t>&gt;&lt;/</a:t>
+            </a:r>
+            <a:r>
+              <a:rPr lang="en-GB" altLang="da-DK" sz="1100" b="1" dirty="0" smtClean="0">
+                <a:solidFill>
+                  <a:srgbClr val="000080"/>
+                </a:solidFill>
+                <a:latin typeface="Consolas" panose="020B0609020204030204" pitchFamily="49" charset="0"/>
+                <a:cs typeface="Consolas" panose="020B0609020204030204" pitchFamily="49" charset="0"/>
+              </a:rPr>
+              <a:t>li</a:t>
+            </a:r>
+            <a:r>
+              <a:rPr lang="en-GB" altLang="da-DK" sz="1100" dirty="0" smtClean="0">
+                <a:solidFill>
+                  <a:srgbClr val="000000"/>
+                </a:solidFill>
+                <a:latin typeface="Consolas" panose="020B0609020204030204" pitchFamily="49" charset="0"/>
+                <a:cs typeface="Consolas" panose="020B0609020204030204" pitchFamily="49" charset="0"/>
+              </a:rPr>
+              <a:t>&gt;</a:t>
+            </a:r>
+            <a:br>
+              <a:rPr lang="en-GB" altLang="da-DK" sz="1100" dirty="0" smtClean="0">
+                <a:solidFill>
+                  <a:srgbClr val="000000"/>
+                </a:solidFill>
+                <a:latin typeface="Consolas" panose="020B0609020204030204" pitchFamily="49" charset="0"/>
+                <a:cs typeface="Consolas" panose="020B0609020204030204" pitchFamily="49" charset="0"/>
+              </a:rPr>
+            </a:br>
+            <a:r>
+              <a:rPr lang="en-GB" altLang="da-DK" sz="1100" dirty="0" smtClean="0">
+                <a:solidFill>
+                  <a:srgbClr val="000000"/>
+                </a:solidFill>
+                <a:latin typeface="Consolas" panose="020B0609020204030204" pitchFamily="49" charset="0"/>
+                <a:cs typeface="Consolas" panose="020B0609020204030204" pitchFamily="49" charset="0"/>
+              </a:rPr>
+              <a:t>        &lt;</a:t>
+            </a:r>
+            <a:r>
+              <a:rPr lang="en-GB" altLang="da-DK" sz="1100" b="1" dirty="0" smtClean="0">
+                <a:solidFill>
+                  <a:srgbClr val="000080"/>
+                </a:solidFill>
+                <a:latin typeface="Consolas" panose="020B0609020204030204" pitchFamily="49" charset="0"/>
+                <a:cs typeface="Consolas" panose="020B0609020204030204" pitchFamily="49" charset="0"/>
+              </a:rPr>
+              <a:t>li</a:t>
+            </a:r>
+            <a:r>
+              <a:rPr lang="en-GB" altLang="da-DK" sz="1100" dirty="0" smtClean="0">
+                <a:solidFill>
+                  <a:srgbClr val="000000"/>
+                </a:solidFill>
+                <a:latin typeface="Consolas" panose="020B0609020204030204" pitchFamily="49" charset="0"/>
+                <a:cs typeface="Consolas" panose="020B0609020204030204" pitchFamily="49" charset="0"/>
+              </a:rPr>
+              <a:t>&gt;&lt;</a:t>
+            </a:r>
+            <a:r>
+              <a:rPr lang="en-GB" altLang="da-DK" sz="1100" b="1" dirty="0" smtClean="0">
+                <a:solidFill>
+                  <a:srgbClr val="000080"/>
+                </a:solidFill>
+                <a:latin typeface="Consolas" panose="020B0609020204030204" pitchFamily="49" charset="0"/>
+                <a:cs typeface="Consolas" panose="020B0609020204030204" pitchFamily="49" charset="0"/>
+              </a:rPr>
+              <a:t>NavLink </a:t>
+            </a:r>
+            <a:r>
+              <a:rPr lang="en-GB" altLang="da-DK" sz="1100" b="1" dirty="0" smtClean="0">
+                <a:solidFill>
+                  <a:srgbClr val="0055FF"/>
+                </a:solidFill>
+                <a:latin typeface="Consolas" panose="020B0609020204030204" pitchFamily="49" charset="0"/>
+                <a:cs typeface="Consolas" panose="020B0609020204030204" pitchFamily="49" charset="0"/>
+              </a:rPr>
+              <a:t>to</a:t>
+            </a:r>
+            <a:r>
+              <a:rPr lang="en-GB" altLang="da-DK" sz="1100" b="1" dirty="0" smtClean="0">
+                <a:solidFill>
+                  <a:srgbClr val="658ABA"/>
+                </a:solidFill>
+                <a:latin typeface="Consolas" panose="020B0609020204030204" pitchFamily="49" charset="0"/>
+                <a:cs typeface="Consolas" panose="020B0609020204030204" pitchFamily="49" charset="0"/>
+              </a:rPr>
+              <a:t>="/topics"</a:t>
+            </a:r>
+            <a:r>
+              <a:rPr lang="en-GB" altLang="da-DK" sz="1100" dirty="0" smtClean="0">
+                <a:solidFill>
+                  <a:srgbClr val="000000"/>
+                </a:solidFill>
+                <a:latin typeface="Consolas" panose="020B0609020204030204" pitchFamily="49" charset="0"/>
+                <a:cs typeface="Consolas" panose="020B0609020204030204" pitchFamily="49" charset="0"/>
+              </a:rPr>
+              <a:t>&gt;Topics&lt;/</a:t>
+            </a:r>
+            <a:r>
+              <a:rPr lang="en-GB" altLang="da-DK" sz="1100" b="1" dirty="0" smtClean="0">
+                <a:solidFill>
+                  <a:srgbClr val="000080"/>
+                </a:solidFill>
+                <a:latin typeface="Consolas" panose="020B0609020204030204" pitchFamily="49" charset="0"/>
+                <a:cs typeface="Consolas" panose="020B0609020204030204" pitchFamily="49" charset="0"/>
+              </a:rPr>
+              <a:t>NavLink</a:t>
+            </a:r>
+            <a:r>
+              <a:rPr lang="en-GB" altLang="da-DK" sz="1100" dirty="0" smtClean="0">
+                <a:solidFill>
+                  <a:srgbClr val="000000"/>
+                </a:solidFill>
+                <a:latin typeface="Consolas" panose="020B0609020204030204" pitchFamily="49" charset="0"/>
+                <a:cs typeface="Consolas" panose="020B0609020204030204" pitchFamily="49" charset="0"/>
+              </a:rPr>
+              <a:t>&gt;&lt;/</a:t>
+            </a:r>
+            <a:r>
+              <a:rPr lang="en-GB" altLang="da-DK" sz="1100" b="1" dirty="0" smtClean="0">
+                <a:solidFill>
+                  <a:srgbClr val="000080"/>
+                </a:solidFill>
+                <a:latin typeface="Consolas" panose="020B0609020204030204" pitchFamily="49" charset="0"/>
+                <a:cs typeface="Consolas" panose="020B0609020204030204" pitchFamily="49" charset="0"/>
+              </a:rPr>
+              <a:t>li</a:t>
+            </a:r>
+            <a:r>
+              <a:rPr lang="en-GB" altLang="da-DK" sz="1100" dirty="0" smtClean="0">
+                <a:solidFill>
+                  <a:srgbClr val="000000"/>
+                </a:solidFill>
+                <a:latin typeface="Consolas" panose="020B0609020204030204" pitchFamily="49" charset="0"/>
+                <a:cs typeface="Consolas" panose="020B0609020204030204" pitchFamily="49" charset="0"/>
+              </a:rPr>
+              <a:t>&gt;</a:t>
+            </a:r>
+            <a:br>
+              <a:rPr lang="en-GB" altLang="da-DK" sz="1100" dirty="0" smtClean="0">
+                <a:solidFill>
+                  <a:srgbClr val="000000"/>
+                </a:solidFill>
+                <a:latin typeface="Consolas" panose="020B0609020204030204" pitchFamily="49" charset="0"/>
+                <a:cs typeface="Consolas" panose="020B0609020204030204" pitchFamily="49" charset="0"/>
+              </a:rPr>
+            </a:br>
+            <a:r>
+              <a:rPr lang="en-GB" altLang="da-DK" sz="1100" dirty="0" smtClean="0">
+                <a:solidFill>
+                  <a:srgbClr val="000000"/>
+                </a:solidFill>
+                <a:latin typeface="Consolas" panose="020B0609020204030204" pitchFamily="49" charset="0"/>
+                <a:cs typeface="Consolas" panose="020B0609020204030204" pitchFamily="49" charset="0"/>
+              </a:rPr>
+              <a:t>      &lt;/</a:t>
+            </a:r>
+            <a:r>
+              <a:rPr lang="en-GB" altLang="da-DK" sz="1100" b="1" dirty="0" smtClean="0">
+                <a:solidFill>
+                  <a:srgbClr val="000080"/>
+                </a:solidFill>
+                <a:latin typeface="Consolas" panose="020B0609020204030204" pitchFamily="49" charset="0"/>
+                <a:cs typeface="Consolas" panose="020B0609020204030204" pitchFamily="49" charset="0"/>
+              </a:rPr>
+              <a:t>ul</a:t>
+            </a:r>
+            <a:r>
+              <a:rPr lang="en-GB" altLang="da-DK" sz="1100" dirty="0" smtClean="0">
+                <a:solidFill>
+                  <a:srgbClr val="000000"/>
+                </a:solidFill>
+                <a:latin typeface="Consolas" panose="020B0609020204030204" pitchFamily="49" charset="0"/>
+                <a:cs typeface="Consolas" panose="020B0609020204030204" pitchFamily="49" charset="0"/>
+              </a:rPr>
+              <a:t>&gt;</a:t>
+            </a:r>
+            <a:br>
+              <a:rPr lang="en-GB" altLang="da-DK" sz="1100" dirty="0" smtClean="0">
+                <a:solidFill>
+                  <a:srgbClr val="000000"/>
+                </a:solidFill>
+                <a:latin typeface="Consolas" panose="020B0609020204030204" pitchFamily="49" charset="0"/>
+                <a:cs typeface="Consolas" panose="020B0609020204030204" pitchFamily="49" charset="0"/>
+              </a:rPr>
+            </a:br>
+            <a:r>
+              <a:rPr lang="en-GB" altLang="da-DK" sz="1100" dirty="0" smtClean="0">
+                <a:solidFill>
+                  <a:srgbClr val="000000"/>
+                </a:solidFill>
+                <a:latin typeface="Consolas" panose="020B0609020204030204" pitchFamily="49" charset="0"/>
+                <a:cs typeface="Consolas" panose="020B0609020204030204" pitchFamily="49" charset="0"/>
+              </a:rPr>
+              <a:t>      &lt;</a:t>
+            </a:r>
+            <a:r>
+              <a:rPr lang="en-GB" altLang="da-DK" sz="1100" b="1" dirty="0" smtClean="0">
+                <a:solidFill>
+                  <a:srgbClr val="000080"/>
+                </a:solidFill>
+                <a:latin typeface="Consolas" panose="020B0609020204030204" pitchFamily="49" charset="0"/>
+                <a:cs typeface="Consolas" panose="020B0609020204030204" pitchFamily="49" charset="0"/>
+              </a:rPr>
+              <a:t>hr</a:t>
+            </a:r>
+            <a:r>
+              <a:rPr lang="en-GB" altLang="da-DK" sz="1100" dirty="0" smtClean="0">
+                <a:solidFill>
+                  <a:srgbClr val="000000"/>
+                </a:solidFill>
+                <a:latin typeface="Consolas" panose="020B0609020204030204" pitchFamily="49" charset="0"/>
+                <a:cs typeface="Consolas" panose="020B0609020204030204" pitchFamily="49" charset="0"/>
+              </a:rPr>
+              <a:t>/&gt;</a:t>
+            </a:r>
+            <a:br>
+              <a:rPr lang="en-GB" altLang="da-DK" sz="1100" dirty="0" smtClean="0">
+                <a:solidFill>
+                  <a:srgbClr val="000000"/>
+                </a:solidFill>
+                <a:latin typeface="Consolas" panose="020B0609020204030204" pitchFamily="49" charset="0"/>
+                <a:cs typeface="Consolas" panose="020B0609020204030204" pitchFamily="49" charset="0"/>
+              </a:rPr>
+            </a:br>
+            <a:r>
+              <a:rPr lang="en-GB" altLang="da-DK" sz="1100" dirty="0" smtClean="0">
+                <a:solidFill>
+                  <a:srgbClr val="000000"/>
+                </a:solidFill>
+                <a:latin typeface="Consolas" panose="020B0609020204030204" pitchFamily="49" charset="0"/>
+                <a:cs typeface="Consolas" panose="020B0609020204030204" pitchFamily="49" charset="0"/>
+              </a:rPr>
+              <a:t>      &lt;</a:t>
+            </a:r>
+            <a:r>
+              <a:rPr lang="en-GB" altLang="da-DK" sz="1100" b="1" dirty="0" smtClean="0">
+                <a:solidFill>
+                  <a:srgbClr val="000080"/>
+                </a:solidFill>
+                <a:latin typeface="Consolas" panose="020B0609020204030204" pitchFamily="49" charset="0"/>
+                <a:cs typeface="Consolas" panose="020B0609020204030204" pitchFamily="49" charset="0"/>
+              </a:rPr>
+              <a:t>Route </a:t>
+            </a:r>
+            <a:r>
+              <a:rPr lang="en-GB" altLang="da-DK" sz="1100" b="1" dirty="0" smtClean="0">
+                <a:solidFill>
+                  <a:srgbClr val="0055FF"/>
+                </a:solidFill>
+                <a:latin typeface="Consolas" panose="020B0609020204030204" pitchFamily="49" charset="0"/>
+                <a:cs typeface="Consolas" panose="020B0609020204030204" pitchFamily="49" charset="0"/>
+              </a:rPr>
+              <a:t>exact path</a:t>
+            </a:r>
+            <a:r>
+              <a:rPr lang="en-GB" altLang="da-DK" sz="1100" b="1" dirty="0" smtClean="0">
+                <a:solidFill>
+                  <a:srgbClr val="658ABA"/>
+                </a:solidFill>
+                <a:latin typeface="Consolas" panose="020B0609020204030204" pitchFamily="49" charset="0"/>
+                <a:cs typeface="Consolas" panose="020B0609020204030204" pitchFamily="49" charset="0"/>
+              </a:rPr>
+              <a:t>="/" </a:t>
+            </a:r>
+            <a:r>
+              <a:rPr lang="en-GB" altLang="da-DK" sz="1100" b="1" dirty="0" smtClean="0">
+                <a:solidFill>
+                  <a:srgbClr val="0055FF"/>
+                </a:solidFill>
+                <a:latin typeface="Consolas" panose="020B0609020204030204" pitchFamily="49" charset="0"/>
+                <a:cs typeface="Consolas" panose="020B0609020204030204" pitchFamily="49" charset="0"/>
+              </a:rPr>
+              <a:t>component</a:t>
+            </a:r>
+            <a:r>
+              <a:rPr lang="en-GB" altLang="da-DK" sz="1100" b="1" dirty="0" smtClean="0">
+                <a:solidFill>
+                  <a:srgbClr val="658ABA"/>
+                </a:solidFill>
+                <a:latin typeface="Consolas" panose="020B0609020204030204" pitchFamily="49" charset="0"/>
+                <a:cs typeface="Consolas" panose="020B0609020204030204" pitchFamily="49" charset="0"/>
+              </a:rPr>
+              <a:t>=</a:t>
+            </a:r>
+            <a:r>
+              <a:rPr lang="en-GB" altLang="da-DK" sz="1100" dirty="0" smtClean="0">
+                <a:solidFill>
+                  <a:srgbClr val="000000"/>
+                </a:solidFill>
+                <a:latin typeface="Consolas" panose="020B0609020204030204" pitchFamily="49" charset="0"/>
+                <a:cs typeface="Consolas" panose="020B0609020204030204" pitchFamily="49" charset="0"/>
+              </a:rPr>
+              <a:t>{</a:t>
+            </a:r>
+            <a:r>
+              <a:rPr lang="en-GB" altLang="da-DK" sz="1100" i="1" dirty="0" smtClean="0">
+                <a:solidFill>
+                  <a:srgbClr val="000000"/>
+                </a:solidFill>
+                <a:latin typeface="Consolas" panose="020B0609020204030204" pitchFamily="49" charset="0"/>
+                <a:cs typeface="Consolas" panose="020B0609020204030204" pitchFamily="49" charset="0"/>
+              </a:rPr>
+              <a:t>Home</a:t>
+            </a:r>
+            <a:r>
+              <a:rPr lang="en-GB" altLang="da-DK" sz="1100" dirty="0" smtClean="0">
+                <a:solidFill>
+                  <a:srgbClr val="000000"/>
+                </a:solidFill>
+                <a:latin typeface="Consolas" panose="020B0609020204030204" pitchFamily="49" charset="0"/>
+                <a:cs typeface="Consolas" panose="020B0609020204030204" pitchFamily="49" charset="0"/>
+              </a:rPr>
+              <a:t>}/&gt;</a:t>
+            </a:r>
+            <a:br>
+              <a:rPr lang="en-GB" altLang="da-DK" sz="1100" dirty="0" smtClean="0">
+                <a:solidFill>
+                  <a:srgbClr val="000000"/>
+                </a:solidFill>
+                <a:latin typeface="Consolas" panose="020B0609020204030204" pitchFamily="49" charset="0"/>
+                <a:cs typeface="Consolas" panose="020B0609020204030204" pitchFamily="49" charset="0"/>
+              </a:rPr>
+            </a:br>
+            <a:r>
+              <a:rPr lang="en-GB" altLang="da-DK" sz="1100" dirty="0" smtClean="0">
+                <a:solidFill>
+                  <a:srgbClr val="000000"/>
+                </a:solidFill>
+                <a:latin typeface="Consolas" panose="020B0609020204030204" pitchFamily="49" charset="0"/>
+                <a:cs typeface="Consolas" panose="020B0609020204030204" pitchFamily="49" charset="0"/>
+              </a:rPr>
+              <a:t>      &lt;</a:t>
+            </a:r>
+            <a:r>
+              <a:rPr lang="en-GB" altLang="da-DK" sz="1100" b="1" dirty="0" smtClean="0">
+                <a:solidFill>
+                  <a:srgbClr val="000080"/>
+                </a:solidFill>
+                <a:latin typeface="Consolas" panose="020B0609020204030204" pitchFamily="49" charset="0"/>
+                <a:cs typeface="Consolas" panose="020B0609020204030204" pitchFamily="49" charset="0"/>
+              </a:rPr>
+              <a:t>Route </a:t>
+            </a:r>
+            <a:r>
+              <a:rPr lang="en-GB" altLang="da-DK" sz="1100" b="1" dirty="0" smtClean="0">
+                <a:solidFill>
+                  <a:srgbClr val="0055FF"/>
+                </a:solidFill>
+                <a:latin typeface="Consolas" panose="020B0609020204030204" pitchFamily="49" charset="0"/>
+                <a:cs typeface="Consolas" panose="020B0609020204030204" pitchFamily="49" charset="0"/>
+              </a:rPr>
+              <a:t>path</a:t>
+            </a:r>
+            <a:r>
+              <a:rPr lang="en-GB" altLang="da-DK" sz="1100" b="1" dirty="0" smtClean="0">
+                <a:solidFill>
+                  <a:srgbClr val="658ABA"/>
+                </a:solidFill>
+                <a:latin typeface="Consolas" panose="020B0609020204030204" pitchFamily="49" charset="0"/>
+                <a:cs typeface="Consolas" panose="020B0609020204030204" pitchFamily="49" charset="0"/>
+              </a:rPr>
+              <a:t>="/about" </a:t>
+            </a:r>
+            <a:r>
+              <a:rPr lang="en-GB" altLang="da-DK" sz="1100" b="1" dirty="0" smtClean="0">
+                <a:solidFill>
+                  <a:srgbClr val="0055FF"/>
+                </a:solidFill>
+                <a:latin typeface="Consolas" panose="020B0609020204030204" pitchFamily="49" charset="0"/>
+                <a:cs typeface="Consolas" panose="020B0609020204030204" pitchFamily="49" charset="0"/>
+              </a:rPr>
+              <a:t>component</a:t>
+            </a:r>
+            <a:r>
+              <a:rPr lang="en-GB" altLang="da-DK" sz="1100" b="1" dirty="0" smtClean="0">
+                <a:solidFill>
+                  <a:srgbClr val="658ABA"/>
+                </a:solidFill>
+                <a:latin typeface="Consolas" panose="020B0609020204030204" pitchFamily="49" charset="0"/>
+                <a:cs typeface="Consolas" panose="020B0609020204030204" pitchFamily="49" charset="0"/>
+              </a:rPr>
+              <a:t>=</a:t>
+            </a:r>
+            <a:r>
+              <a:rPr lang="en-GB" altLang="da-DK" sz="1100" dirty="0" smtClean="0">
+                <a:solidFill>
+                  <a:srgbClr val="000000"/>
+                </a:solidFill>
+                <a:latin typeface="Consolas" panose="020B0609020204030204" pitchFamily="49" charset="0"/>
+                <a:cs typeface="Consolas" panose="020B0609020204030204" pitchFamily="49" charset="0"/>
+              </a:rPr>
+              <a:t>{</a:t>
+            </a:r>
+            <a:r>
+              <a:rPr lang="en-GB" altLang="da-DK" sz="1100" i="1" dirty="0" smtClean="0">
+                <a:solidFill>
+                  <a:srgbClr val="000000"/>
+                </a:solidFill>
+                <a:latin typeface="Consolas" panose="020B0609020204030204" pitchFamily="49" charset="0"/>
+                <a:cs typeface="Consolas" panose="020B0609020204030204" pitchFamily="49" charset="0"/>
+              </a:rPr>
+              <a:t>About</a:t>
+            </a:r>
+            <a:r>
+              <a:rPr lang="en-GB" altLang="da-DK" sz="1100" dirty="0" smtClean="0">
+                <a:solidFill>
+                  <a:srgbClr val="000000"/>
+                </a:solidFill>
+                <a:latin typeface="Consolas" panose="020B0609020204030204" pitchFamily="49" charset="0"/>
+                <a:cs typeface="Consolas" panose="020B0609020204030204" pitchFamily="49" charset="0"/>
+              </a:rPr>
+              <a:t>}/&gt;</a:t>
+            </a:r>
+            <a:br>
+              <a:rPr lang="en-GB" altLang="da-DK" sz="1100" dirty="0" smtClean="0">
+                <a:solidFill>
+                  <a:srgbClr val="000000"/>
+                </a:solidFill>
+                <a:latin typeface="Consolas" panose="020B0609020204030204" pitchFamily="49" charset="0"/>
+                <a:cs typeface="Consolas" panose="020B0609020204030204" pitchFamily="49" charset="0"/>
+              </a:rPr>
+            </a:br>
+            <a:r>
+              <a:rPr lang="en-GB" altLang="da-DK" sz="1100" dirty="0" smtClean="0">
+                <a:solidFill>
+                  <a:srgbClr val="000000"/>
+                </a:solidFill>
+                <a:latin typeface="Consolas" panose="020B0609020204030204" pitchFamily="49" charset="0"/>
+                <a:cs typeface="Consolas" panose="020B0609020204030204" pitchFamily="49" charset="0"/>
+              </a:rPr>
+              <a:t>      &lt;</a:t>
+            </a:r>
+            <a:r>
+              <a:rPr lang="en-GB" altLang="da-DK" sz="1100" b="1" dirty="0" smtClean="0">
+                <a:solidFill>
+                  <a:srgbClr val="000080"/>
+                </a:solidFill>
+                <a:latin typeface="Consolas" panose="020B0609020204030204" pitchFamily="49" charset="0"/>
+                <a:cs typeface="Consolas" panose="020B0609020204030204" pitchFamily="49" charset="0"/>
+              </a:rPr>
+              <a:t>Route </a:t>
+            </a:r>
+            <a:r>
+              <a:rPr lang="en-GB" altLang="da-DK" sz="1100" b="1" dirty="0" smtClean="0">
+                <a:solidFill>
+                  <a:srgbClr val="0055FF"/>
+                </a:solidFill>
+                <a:latin typeface="Consolas" panose="020B0609020204030204" pitchFamily="49" charset="0"/>
+                <a:cs typeface="Consolas" panose="020B0609020204030204" pitchFamily="49" charset="0"/>
+              </a:rPr>
+              <a:t>path</a:t>
+            </a:r>
+            <a:r>
+              <a:rPr lang="en-GB" altLang="da-DK" sz="1100" b="1" dirty="0" smtClean="0">
+                <a:solidFill>
+                  <a:srgbClr val="658ABA"/>
+                </a:solidFill>
+                <a:latin typeface="Consolas" panose="020B0609020204030204" pitchFamily="49" charset="0"/>
+                <a:cs typeface="Consolas" panose="020B0609020204030204" pitchFamily="49" charset="0"/>
+              </a:rPr>
+              <a:t>="/topics" </a:t>
+            </a:r>
+            <a:r>
+              <a:rPr lang="en-GB" altLang="da-DK" sz="1100" b="1" dirty="0" smtClean="0">
+                <a:solidFill>
+                  <a:srgbClr val="0055FF"/>
+                </a:solidFill>
+                <a:latin typeface="Consolas" panose="020B0609020204030204" pitchFamily="49" charset="0"/>
+                <a:cs typeface="Consolas" panose="020B0609020204030204" pitchFamily="49" charset="0"/>
+              </a:rPr>
+              <a:t>component</a:t>
+            </a:r>
+            <a:r>
+              <a:rPr lang="en-GB" altLang="da-DK" sz="1100" b="1" dirty="0" smtClean="0">
+                <a:solidFill>
+                  <a:srgbClr val="658ABA"/>
+                </a:solidFill>
+                <a:latin typeface="Consolas" panose="020B0609020204030204" pitchFamily="49" charset="0"/>
+                <a:cs typeface="Consolas" panose="020B0609020204030204" pitchFamily="49" charset="0"/>
+              </a:rPr>
+              <a:t>=</a:t>
+            </a:r>
+            <a:r>
+              <a:rPr lang="en-GB" altLang="da-DK" sz="1100" dirty="0" smtClean="0">
+                <a:solidFill>
+                  <a:srgbClr val="000000"/>
+                </a:solidFill>
+                <a:latin typeface="Consolas" panose="020B0609020204030204" pitchFamily="49" charset="0"/>
+                <a:cs typeface="Consolas" panose="020B0609020204030204" pitchFamily="49" charset="0"/>
+              </a:rPr>
+              <a:t>{</a:t>
+            </a:r>
+            <a:r>
+              <a:rPr lang="en-GB" altLang="da-DK" sz="1100" i="1" dirty="0" smtClean="0">
+                <a:solidFill>
+                  <a:srgbClr val="000000"/>
+                </a:solidFill>
+                <a:latin typeface="Consolas" panose="020B0609020204030204" pitchFamily="49" charset="0"/>
+                <a:cs typeface="Consolas" panose="020B0609020204030204" pitchFamily="49" charset="0"/>
+              </a:rPr>
+              <a:t>Topics</a:t>
+            </a:r>
+            <a:r>
+              <a:rPr lang="en-GB" altLang="da-DK" sz="1100" dirty="0" smtClean="0">
+                <a:solidFill>
+                  <a:srgbClr val="000000"/>
+                </a:solidFill>
+                <a:latin typeface="Consolas" panose="020B0609020204030204" pitchFamily="49" charset="0"/>
+                <a:cs typeface="Consolas" panose="020B0609020204030204" pitchFamily="49" charset="0"/>
+              </a:rPr>
+              <a:t>}/&gt;</a:t>
+            </a:r>
+            <a:br>
+              <a:rPr lang="en-GB" altLang="da-DK" sz="1100" dirty="0" smtClean="0">
+                <a:solidFill>
+                  <a:srgbClr val="000000"/>
+                </a:solidFill>
+                <a:latin typeface="Consolas" panose="020B0609020204030204" pitchFamily="49" charset="0"/>
+                <a:cs typeface="Consolas" panose="020B0609020204030204" pitchFamily="49" charset="0"/>
+              </a:rPr>
+            </a:br>
+            <a:r>
+              <a:rPr lang="en-GB" altLang="da-DK" sz="1100" dirty="0" smtClean="0">
+                <a:solidFill>
+                  <a:srgbClr val="000000"/>
+                </a:solidFill>
+                <a:latin typeface="Consolas" panose="020B0609020204030204" pitchFamily="49" charset="0"/>
+                <a:cs typeface="Consolas" panose="020B0609020204030204" pitchFamily="49" charset="0"/>
+              </a:rPr>
+              <a:t>    &lt;/</a:t>
+            </a:r>
+            <a:r>
+              <a:rPr lang="en-GB" altLang="da-DK" sz="1100" b="1" dirty="0" smtClean="0">
+                <a:solidFill>
+                  <a:srgbClr val="000080"/>
+                </a:solidFill>
+                <a:latin typeface="Consolas" panose="020B0609020204030204" pitchFamily="49" charset="0"/>
+                <a:cs typeface="Consolas" panose="020B0609020204030204" pitchFamily="49" charset="0"/>
+              </a:rPr>
+              <a:t>div</a:t>
+            </a:r>
+            <a:r>
+              <a:rPr lang="en-GB" altLang="da-DK" sz="1100" dirty="0" smtClean="0">
+                <a:solidFill>
+                  <a:srgbClr val="000000"/>
+                </a:solidFill>
+                <a:latin typeface="Consolas" panose="020B0609020204030204" pitchFamily="49" charset="0"/>
+                <a:cs typeface="Consolas" panose="020B0609020204030204" pitchFamily="49" charset="0"/>
+              </a:rPr>
+              <a:t>&gt;</a:t>
+            </a:r>
+            <a:br>
+              <a:rPr lang="en-GB" altLang="da-DK" sz="1100" dirty="0" smtClean="0">
+                <a:solidFill>
+                  <a:srgbClr val="000000"/>
+                </a:solidFill>
+                <a:latin typeface="Consolas" panose="020B0609020204030204" pitchFamily="49" charset="0"/>
+                <a:cs typeface="Consolas" panose="020B0609020204030204" pitchFamily="49" charset="0"/>
+              </a:rPr>
+            </a:br>
+            <a:r>
+              <a:rPr lang="en-GB" altLang="da-DK" sz="1100" dirty="0" smtClean="0">
+                <a:solidFill>
+                  <a:srgbClr val="000000"/>
+                </a:solidFill>
+                <a:latin typeface="Consolas" panose="020B0609020204030204" pitchFamily="49" charset="0"/>
+                <a:cs typeface="Consolas" panose="020B0609020204030204" pitchFamily="49" charset="0"/>
+              </a:rPr>
+              <a:t>  &lt;/</a:t>
+            </a:r>
+            <a:r>
+              <a:rPr lang="en-GB" altLang="da-DK" sz="1100" b="1" dirty="0" smtClean="0">
+                <a:solidFill>
+                  <a:srgbClr val="000080"/>
+                </a:solidFill>
+                <a:latin typeface="Consolas" panose="020B0609020204030204" pitchFamily="49" charset="0"/>
+                <a:cs typeface="Consolas" panose="020B0609020204030204" pitchFamily="49" charset="0"/>
+              </a:rPr>
+              <a:t>HashRouter</a:t>
+            </a:r>
+            <a:r>
+              <a:rPr lang="en-GB" altLang="da-DK" sz="1100" dirty="0" smtClean="0">
+                <a:solidFill>
+                  <a:srgbClr val="000000"/>
+                </a:solidFill>
+                <a:latin typeface="Consolas" panose="020B0609020204030204" pitchFamily="49" charset="0"/>
+                <a:cs typeface="Consolas" panose="020B0609020204030204" pitchFamily="49" charset="0"/>
+              </a:rPr>
+              <a:t>&gt;</a:t>
+            </a:r>
+            <a:br>
+              <a:rPr lang="en-GB" altLang="da-DK" sz="1100" dirty="0" smtClean="0">
+                <a:solidFill>
+                  <a:srgbClr val="000000"/>
+                </a:solidFill>
+                <a:latin typeface="Consolas" panose="020B0609020204030204" pitchFamily="49" charset="0"/>
+                <a:cs typeface="Consolas" panose="020B0609020204030204" pitchFamily="49" charset="0"/>
+              </a:rPr>
+            </a:br>
+            <a:r>
+              <a:rPr lang="en-GB" altLang="da-DK" sz="1100" dirty="0" smtClean="0">
+                <a:solidFill>
+                  <a:srgbClr val="000000"/>
+                </a:solidFill>
+                <a:latin typeface="Consolas" panose="020B0609020204030204" pitchFamily="49" charset="0"/>
+                <a:cs typeface="Consolas" panose="020B0609020204030204" pitchFamily="49" charset="0"/>
+              </a:rPr>
+              <a:t>)</a:t>
+            </a:r>
+            <a:endParaRPr lang="en-GB" sz="1100" dirty="0">
+              <a:latin typeface="Consolas" panose="020B0609020204030204" pitchFamily="49" charset="0"/>
+              <a:cs typeface="Consolas" panose="020B0609020204030204" pitchFamily="49" charset="0"/>
+            </a:endParaRPr>
+          </a:p>
+        </p:txBody>
+      </p:sp>
+      <p:sp>
+        <p:nvSpPr>
+          <p:cNvPr id="25" name="Afrundet rektangel 24"/>
+          <p:cNvSpPr/>
+          <p:nvPr/>
+        </p:nvSpPr>
+        <p:spPr>
+          <a:xfrm>
+            <a:off x="3685320" y="3284984"/>
+            <a:ext cx="2758888" cy="830997"/>
+          </a:xfrm>
+          <a:prstGeom prst="roundRect">
+            <a:avLst>
+              <a:gd name="adj" fmla="val 3929"/>
+            </a:avLst>
+          </a:prstGeom>
+          <a:solidFill>
+            <a:schemeClr val="accent6">
+              <a:lumMod val="20000"/>
+              <a:lumOff val="80000"/>
+            </a:schemeClr>
+          </a:solidFill>
+          <a:ln w="6350">
+            <a:solidFill>
+              <a:srgbClr val="C00000"/>
+            </a:solidFill>
+            <a:prstDash val="dash"/>
+          </a:ln>
+        </p:spPr>
+        <p:style>
+          <a:lnRef idx="2">
+            <a:schemeClr val="accent1">
+              <a:shade val="50000"/>
+            </a:schemeClr>
+          </a:lnRef>
+          <a:fillRef idx="1">
+            <a:schemeClr val="accent1"/>
+          </a:fillRef>
+          <a:effectRef idx="0">
+            <a:schemeClr val="accent1"/>
+          </a:effectRef>
+          <a:fontRef idx="minor">
+            <a:schemeClr val="lt1"/>
+          </a:fontRef>
+        </p:style>
+        <p:txBody>
+          <a:bodyPr rtlCol="0" anchor="ctr"/>
+          <a:lstStyle/>
+          <a:p>
+            <a:pPr algn="ctr"/>
+            <a:endParaRPr lang="da-DK"/>
+          </a:p>
+        </p:txBody>
+      </p:sp>
+      <p:sp>
+        <p:nvSpPr>
+          <p:cNvPr id="28" name="Rektangel 27"/>
+          <p:cNvSpPr/>
+          <p:nvPr/>
+        </p:nvSpPr>
+        <p:spPr>
+          <a:xfrm>
+            <a:off x="3635895" y="3284984"/>
+            <a:ext cx="2880321" cy="830997"/>
+          </a:xfrm>
+          <a:prstGeom prst="rect">
+            <a:avLst/>
+          </a:prstGeom>
+        </p:spPr>
+        <p:txBody>
+          <a:bodyPr wrap="square">
+            <a:spAutoFit/>
+          </a:bodyPr>
+          <a:lstStyle/>
+          <a:p>
+            <a:r>
+              <a:rPr lang="en-GB" altLang="da-DK" sz="1200" b="1" dirty="0">
+                <a:solidFill>
+                  <a:srgbClr val="000080"/>
+                </a:solidFill>
+                <a:latin typeface="Consolas" panose="020B0609020204030204" pitchFamily="49" charset="0"/>
+                <a:cs typeface="Consolas" panose="020B0609020204030204" pitchFamily="49" charset="0"/>
+              </a:rPr>
+              <a:t>const </a:t>
+            </a:r>
+            <a:r>
+              <a:rPr lang="en-GB" altLang="da-DK" sz="1200" i="1" dirty="0">
+                <a:solidFill>
+                  <a:srgbClr val="000000"/>
+                </a:solidFill>
+                <a:latin typeface="Consolas" panose="020B0609020204030204" pitchFamily="49" charset="0"/>
+                <a:cs typeface="Consolas" panose="020B0609020204030204" pitchFamily="49" charset="0"/>
+              </a:rPr>
+              <a:t>Topics </a:t>
+            </a:r>
+            <a:r>
+              <a:rPr lang="en-GB" altLang="da-DK" sz="1200" dirty="0">
+                <a:solidFill>
+                  <a:srgbClr val="000000"/>
+                </a:solidFill>
+                <a:latin typeface="Consolas" panose="020B0609020204030204" pitchFamily="49" charset="0"/>
+                <a:cs typeface="Consolas" panose="020B0609020204030204" pitchFamily="49" charset="0"/>
+              </a:rPr>
+              <a:t>= ({ match }) =&gt; (</a:t>
+            </a:r>
+            <a:r>
+              <a:rPr lang="da-DK" altLang="da-DK" sz="1200" dirty="0" smtClean="0">
+                <a:solidFill>
+                  <a:srgbClr val="000000"/>
+                </a:solidFill>
+                <a:latin typeface="Consolas" panose="020B0609020204030204" pitchFamily="49" charset="0"/>
+                <a:cs typeface="Consolas" panose="020B0609020204030204" pitchFamily="49" charset="0"/>
+              </a:rPr>
+              <a:t> </a:t>
+            </a:r>
+          </a:p>
+          <a:p>
+            <a:r>
+              <a:rPr lang="da-DK" altLang="da-DK" sz="1200" dirty="0" smtClean="0">
+                <a:solidFill>
+                  <a:srgbClr val="000000"/>
+                </a:solidFill>
+                <a:latin typeface="Consolas" panose="020B0609020204030204" pitchFamily="49" charset="0"/>
+                <a:cs typeface="Consolas" panose="020B0609020204030204" pitchFamily="49" charset="0"/>
+              </a:rPr>
+              <a:t> ...</a:t>
+            </a:r>
+          </a:p>
+          <a:p>
+            <a:r>
+              <a:rPr lang="da-DK" altLang="da-DK" sz="1200" dirty="0">
+                <a:solidFill>
+                  <a:srgbClr val="000000"/>
+                </a:solidFill>
+                <a:latin typeface="Consolas" panose="020B0609020204030204" pitchFamily="49" charset="0"/>
+                <a:cs typeface="Consolas" panose="020B0609020204030204" pitchFamily="49" charset="0"/>
+              </a:rPr>
+              <a:t> </a:t>
+            </a:r>
+            <a:r>
+              <a:rPr lang="da-DK" altLang="da-DK" sz="1200" dirty="0" smtClean="0">
+                <a:solidFill>
+                  <a:srgbClr val="000000"/>
+                </a:solidFill>
+                <a:latin typeface="Consolas" panose="020B0609020204030204" pitchFamily="49" charset="0"/>
+                <a:cs typeface="Consolas" panose="020B0609020204030204" pitchFamily="49" charset="0"/>
+              </a:rPr>
+              <a:t>...</a:t>
+            </a:r>
+          </a:p>
+          <a:p>
+            <a:r>
+              <a:rPr lang="da-DK" altLang="da-DK" sz="1200" dirty="0" smtClean="0">
+                <a:solidFill>
+                  <a:srgbClr val="000000"/>
+                </a:solidFill>
+                <a:latin typeface="Consolas" panose="020B0609020204030204" pitchFamily="49" charset="0"/>
+                <a:cs typeface="Consolas" panose="020B0609020204030204" pitchFamily="49" charset="0"/>
+              </a:rPr>
+              <a:t>)</a:t>
+            </a:r>
+            <a:endParaRPr lang="da-DK" sz="1200" dirty="0">
+              <a:latin typeface="Consolas" panose="020B0609020204030204" pitchFamily="49" charset="0"/>
+              <a:cs typeface="Consolas" panose="020B0609020204030204" pitchFamily="49" charset="0"/>
+            </a:endParaRPr>
+          </a:p>
+        </p:txBody>
+      </p:sp>
+      <p:cxnSp>
+        <p:nvCxnSpPr>
+          <p:cNvPr id="29" name="Lige forbindelse 28"/>
+          <p:cNvCxnSpPr>
+            <a:stCxn id="25" idx="0"/>
+          </p:cNvCxnSpPr>
+          <p:nvPr/>
+        </p:nvCxnSpPr>
+        <p:spPr>
+          <a:xfrm flipV="1">
+            <a:off x="5064764" y="2180078"/>
+            <a:ext cx="752821" cy="1104906"/>
+          </a:xfrm>
+          <a:prstGeom prst="line">
+            <a:avLst/>
+          </a:prstGeom>
+          <a:ln>
+            <a:solidFill>
+              <a:srgbClr val="C00000"/>
+            </a:solidFill>
+            <a:prstDash val="dash"/>
+          </a:ln>
+        </p:spPr>
+        <p:style>
+          <a:lnRef idx="1">
+            <a:schemeClr val="accent1"/>
+          </a:lnRef>
+          <a:fillRef idx="0">
+            <a:schemeClr val="accent1"/>
+          </a:fillRef>
+          <a:effectRef idx="0">
+            <a:schemeClr val="accent1"/>
+          </a:effectRef>
+          <a:fontRef idx="minor">
+            <a:schemeClr val="tx1"/>
+          </a:fontRef>
+        </p:style>
+      </p:cxnSp>
+    </p:spTree>
+    <p:extLst>
+      <p:ext uri="{BB962C8B-B14F-4D97-AF65-F5344CB8AC3E}">
+        <p14:creationId xmlns:p14="http://schemas.microsoft.com/office/powerpoint/2010/main" val="3549874325"/>
+      </p:ext>
+    </p:extLst>
+  </p:cSld>
+  <p:clrMapOvr>
+    <a:masterClrMapping/>
+  </p:clrMapOvr>
+</p:sld>
+</file>
+
+<file path=ppt/slides/slide4.xml><?xml version="1.0" encoding="utf-8"?>
 <p:sld xmlns:a="http://schemas.openxmlformats.org/drawingml/2006/main" xmlns:r="http://schemas.openxmlformats.org/officeDocument/2006/relationships" xmlns:p="http://schemas.openxmlformats.org/presentationml/2006/main">
   <p:cSld>
     <p:spTree>
@@ -6451,7 +8349,7 @@
 </p:sld>
 </file>
 
-<file path=ppt/slides/slide4.xml><?xml version="1.0" encoding="utf-8"?>
+<file path=ppt/slides/slide5.xml><?xml version="1.0" encoding="utf-8"?>
 <p:sld xmlns:a="http://schemas.openxmlformats.org/drawingml/2006/main" xmlns:r="http://schemas.openxmlformats.org/officeDocument/2006/relationships" xmlns:p="http://schemas.openxmlformats.org/presentationml/2006/main">
   <p:cSld>
     <p:spTree>
@@ -8847,7 +10745,7 @@
 </p:sld>
 </file>
 
-<file path=ppt/slides/slide5.xml><?xml version="1.0" encoding="utf-8"?>
+<file path=ppt/slides/slide6.xml><?xml version="1.0" encoding="utf-8"?>
 <p:sld xmlns:a="http://schemas.openxmlformats.org/drawingml/2006/main" xmlns:r="http://schemas.openxmlformats.org/officeDocument/2006/relationships" xmlns:p="http://schemas.openxmlformats.org/presentationml/2006/main">
   <p:cSld>
     <p:spTree>
@@ -14258,7 +16156,7 @@
 </p:sld>
 </file>
 
-<file path=ppt/slides/slide6.xml><?xml version="1.0" encoding="utf-8"?>
+<file path=ppt/slides/slide7.xml><?xml version="1.0" encoding="utf-8"?>
 <p:sld xmlns:a="http://schemas.openxmlformats.org/drawingml/2006/main" xmlns:r="http://schemas.openxmlformats.org/officeDocument/2006/relationships" xmlns:p="http://schemas.openxmlformats.org/presentationml/2006/main">
   <p:cSld>
     <p:spTree>
